--- a/Source/t06/t06s.pptx
+++ b/Source/t06/t06s.pptx
@@ -258,7 +258,7 @@
           <a:p>
             <a:fld id="{BFC4F80A-967D-4090-BC95-1BE5403E9CD4}" type="datetimeFigureOut">
               <a:rPr lang="en-US" smtClean="0"/>
-              <a:t>10/14/2016</a:t>
+              <a:t>11/22/2016</a:t>
             </a:fld>
             <a:endParaRPr lang="en-US"/>
           </a:p>
@@ -428,7 +428,7 @@
           <a:p>
             <a:fld id="{BFC4F80A-967D-4090-BC95-1BE5403E9CD4}" type="datetimeFigureOut">
               <a:rPr lang="en-US" smtClean="0"/>
-              <a:t>10/14/2016</a:t>
+              <a:t>11/22/2016</a:t>
             </a:fld>
             <a:endParaRPr lang="en-US"/>
           </a:p>
@@ -608,7 +608,7 @@
           <a:p>
             <a:fld id="{BFC4F80A-967D-4090-BC95-1BE5403E9CD4}" type="datetimeFigureOut">
               <a:rPr lang="en-US" smtClean="0"/>
-              <a:t>10/14/2016</a:t>
+              <a:t>11/22/2016</a:t>
             </a:fld>
             <a:endParaRPr lang="en-US"/>
           </a:p>
@@ -778,7 +778,7 @@
           <a:p>
             <a:fld id="{BFC4F80A-967D-4090-BC95-1BE5403E9CD4}" type="datetimeFigureOut">
               <a:rPr lang="en-US" smtClean="0"/>
-              <a:t>10/14/2016</a:t>
+              <a:t>11/22/2016</a:t>
             </a:fld>
             <a:endParaRPr lang="en-US"/>
           </a:p>
@@ -1022,7 +1022,7 @@
           <a:p>
             <a:fld id="{BFC4F80A-967D-4090-BC95-1BE5403E9CD4}" type="datetimeFigureOut">
               <a:rPr lang="en-US" smtClean="0"/>
-              <a:t>10/14/2016</a:t>
+              <a:t>11/22/2016</a:t>
             </a:fld>
             <a:endParaRPr lang="en-US"/>
           </a:p>
@@ -1254,7 +1254,7 @@
           <a:p>
             <a:fld id="{BFC4F80A-967D-4090-BC95-1BE5403E9CD4}" type="datetimeFigureOut">
               <a:rPr lang="en-US" smtClean="0"/>
-              <a:t>10/14/2016</a:t>
+              <a:t>11/22/2016</a:t>
             </a:fld>
             <a:endParaRPr lang="en-US"/>
           </a:p>
@@ -1621,7 +1621,7 @@
           <a:p>
             <a:fld id="{BFC4F80A-967D-4090-BC95-1BE5403E9CD4}" type="datetimeFigureOut">
               <a:rPr lang="en-US" smtClean="0"/>
-              <a:t>10/14/2016</a:t>
+              <a:t>11/22/2016</a:t>
             </a:fld>
             <a:endParaRPr lang="en-US"/>
           </a:p>
@@ -1739,7 +1739,7 @@
           <a:p>
             <a:fld id="{BFC4F80A-967D-4090-BC95-1BE5403E9CD4}" type="datetimeFigureOut">
               <a:rPr lang="en-US" smtClean="0"/>
-              <a:t>10/14/2016</a:t>
+              <a:t>11/22/2016</a:t>
             </a:fld>
             <a:endParaRPr lang="en-US"/>
           </a:p>
@@ -1834,7 +1834,7 @@
           <a:p>
             <a:fld id="{BFC4F80A-967D-4090-BC95-1BE5403E9CD4}" type="datetimeFigureOut">
               <a:rPr lang="en-US" smtClean="0"/>
-              <a:t>10/14/2016</a:t>
+              <a:t>11/22/2016</a:t>
             </a:fld>
             <a:endParaRPr lang="en-US"/>
           </a:p>
@@ -2111,7 +2111,7 @@
           <a:p>
             <a:fld id="{BFC4F80A-967D-4090-BC95-1BE5403E9CD4}" type="datetimeFigureOut">
               <a:rPr lang="en-US" smtClean="0"/>
-              <a:t>10/14/2016</a:t>
+              <a:t>11/22/2016</a:t>
             </a:fld>
             <a:endParaRPr lang="en-US"/>
           </a:p>
@@ -2368,7 +2368,7 @@
           <a:p>
             <a:fld id="{BFC4F80A-967D-4090-BC95-1BE5403E9CD4}" type="datetimeFigureOut">
               <a:rPr lang="en-US" smtClean="0"/>
-              <a:t>10/14/2016</a:t>
+              <a:t>11/22/2016</a:t>
             </a:fld>
             <a:endParaRPr lang="en-US"/>
           </a:p>
@@ -2581,7 +2581,7 @@
           <a:p>
             <a:fld id="{BFC4F80A-967D-4090-BC95-1BE5403E9CD4}" type="datetimeFigureOut">
               <a:rPr lang="en-US" smtClean="0"/>
-              <a:t>10/14/2016</a:t>
+              <a:t>11/22/2016</a:t>
             </a:fld>
             <a:endParaRPr lang="en-US"/>
           </a:p>
@@ -5430,8 +5430,8 @@
           </a:p>
         </p:txBody>
       </p:sp>
-      <mc:AlternateContent xmlns:mc="http://schemas.openxmlformats.org/markup-compatibility/2006">
-        <mc:Choice xmlns:a14="http://schemas.microsoft.com/office/drawing/2010/main" Requires="a14">
+      <mc:AlternateContent xmlns:mc="http://schemas.openxmlformats.org/markup-compatibility/2006" xmlns:a14="http://schemas.microsoft.com/office/drawing/2010/main">
+        <mc:Choice Requires="a14">
           <p:sp>
             <p:nvSpPr>
               <p:cNvPr id="3" name="Content Placeholder 2"/>
@@ -5925,7 +5925,7 @@
             </p:txBody>
           </p:sp>
         </mc:Choice>
-        <mc:Fallback>
+        <mc:Fallback xmlns="">
           <p:sp>
             <p:nvSpPr>
               <p:cNvPr id="3" name="Content Placeholder 2"/>
@@ -6814,9 +6814,59 @@
               <a:buNone/>
             </a:pPr>
             <a:r>
+              <a:rPr lang="en-US" dirty="0" smtClean="0">
+                <a:solidFill>
+                  <a:srgbClr val="FF0000"/>
+                </a:solidFill>
+              </a:rPr>
+              <a:t>R = { S -&gt; aSc, S-&gt; bSc, S -&gt; e</a:t>
+            </a:r>
+            <a:r>
+              <a:rPr lang="en-US" dirty="0" smtClean="0">
+                <a:solidFill>
+                  <a:srgbClr val="FF0000"/>
+                </a:solidFill>
+              </a:rPr>
+              <a:t>} NOT CORRECT!</a:t>
+            </a:r>
+          </a:p>
+          <a:p>
+            <a:pPr marL="457200" lvl="1" indent="0">
+              <a:buNone/>
+            </a:pPr>
+            <a:r>
               <a:rPr lang="en-US" dirty="0" smtClean="0"/>
-              <a:t>R = { S -&gt; aSc, S-&gt; bSc, S -&gt; e}</a:t>
-            </a:r>
+              <a:t>R = { S -&gt; </a:t>
+            </a:r>
+            <a:r>
+              <a:rPr lang="en-US" dirty="0" err="1" smtClean="0"/>
+              <a:t>e|A</a:t>
+            </a:r>
+            <a:r>
+              <a:rPr lang="en-US" dirty="0" smtClean="0"/>
+              <a:t>, A -&gt; </a:t>
+            </a:r>
+            <a:r>
+              <a:rPr lang="en-US" dirty="0" err="1" smtClean="0"/>
+              <a:t>aAc</a:t>
+            </a:r>
+            <a:r>
+              <a:rPr lang="en-US" dirty="0" err="1" smtClean="0"/>
+              <a:t>|B</a:t>
+            </a:r>
+            <a:r>
+              <a:rPr lang="en-US" dirty="0" smtClean="0"/>
+              <a:t>, B -&gt; </a:t>
+            </a:r>
+            <a:r>
+              <a:rPr lang="en-US" dirty="0" err="1" smtClean="0"/>
+              <a:t>bBc|e</a:t>
+            </a:r>
+            <a:r>
+              <a:rPr lang="en-US" dirty="0" smtClean="0"/>
+              <a:t>}</a:t>
+            </a:r>
+            <a:endParaRPr lang="en-US" dirty="0" smtClean="0"/>
           </a:p>
           <a:p>
             <a:pPr marL="971550" lvl="1" indent="-514350">
@@ -7395,11 +7445,7 @@
             </a:pPr>
             <a:r>
               <a:rPr lang="nn-NO" dirty="0"/>
-              <a:t>	</a:t>
-            </a:r>
-            <a:r>
-              <a:rPr lang="nn-NO" dirty="0"/>
-              <a:t>For all cases</a:t>
+              <a:t>	For all cases</a:t>
             </a:r>
             <a:r>
               <a:rPr lang="nn-NO" i="1" dirty="0"/>
